--- a/db.pptx
+++ b/db.pptx
@@ -13,6 +13,11 @@
     <p:sldId id="263" r:id="rId7"/>
     <p:sldId id="264" r:id="rId8"/>
     <p:sldId id="261" r:id="rId9"/>
+    <p:sldId id="265" r:id="rId10"/>
+    <p:sldId id="266" r:id="rId11"/>
+    <p:sldId id="267" r:id="rId12"/>
+    <p:sldId id="268" r:id="rId13"/>
+    <p:sldId id="269" r:id="rId14"/>
   </p:sldIdLst>
   <p:sldSz cx="12192000" cy="6858000"/>
   <p:notesSz cx="6858000" cy="9144000"/>
@@ -111,7 +116,24 @@
       </a:defRPr>
     </a:lvl9pPr>
   </p:defaultTextStyle>
+  <p:extLst>
+    <p:ext uri="{EFAFB233-063F-42B5-8137-9DF3F51BA10A}">
+      <p15:sldGuideLst xmlns:p15="http://schemas.microsoft.com/office/powerpoint/2012/main"/>
+    </p:ext>
+  </p:extLst>
 </p:presentation>
+</file>
+
+<file path=ppt/commentAuthors.xml><?xml version="1.0" encoding="utf-8"?>
+<p:cmAuthorLst xmlns:a="http://schemas.openxmlformats.org/drawingml/2006/main" xmlns:r="http://schemas.openxmlformats.org/officeDocument/2006/relationships" xmlns:p="http://schemas.openxmlformats.org/presentationml/2006/main">
+  <p:cmAuthor id="1" name="Aditya" initials="A" lastIdx="1" clrIdx="0">
+    <p:extLst>
+      <p:ext uri="{19B8F6BF-5375-455C-9EA6-DF929625EA0E}">
+        <p15:presenceInfo xmlns:p15="http://schemas.microsoft.com/office/powerpoint/2012/main" userId="1b09ac9fe6f15793" providerId="Windows Live"/>
+      </p:ext>
+    </p:extLst>
+  </p:cmAuthor>
+</p:cmAuthorLst>
 </file>
 
 <file path=ppt/slideLayouts/slideLayout1.xml><?xml version="1.0" encoding="utf-8"?>
@@ -263,7 +285,7 @@
           <a:p>
             <a:fld id="{2AEBD9CF-9345-4B93-82CE-D35D27B0C528}" type="datetimeFigureOut">
               <a:rPr lang="en-IN" smtClean="0"/>
-              <a:t>26-12-2021</a:t>
+              <a:t>27-12-2021</a:t>
             </a:fld>
             <a:endParaRPr lang="en-IN"/>
           </a:p>
@@ -463,7 +485,7 @@
           <a:p>
             <a:fld id="{2AEBD9CF-9345-4B93-82CE-D35D27B0C528}" type="datetimeFigureOut">
               <a:rPr lang="en-IN" smtClean="0"/>
-              <a:t>26-12-2021</a:t>
+              <a:t>27-12-2021</a:t>
             </a:fld>
             <a:endParaRPr lang="en-IN"/>
           </a:p>
@@ -673,7 +695,7 @@
           <a:p>
             <a:fld id="{2AEBD9CF-9345-4B93-82CE-D35D27B0C528}" type="datetimeFigureOut">
               <a:rPr lang="en-IN" smtClean="0"/>
-              <a:t>26-12-2021</a:t>
+              <a:t>27-12-2021</a:t>
             </a:fld>
             <a:endParaRPr lang="en-IN"/>
           </a:p>
@@ -873,7 +895,7 @@
           <a:p>
             <a:fld id="{2AEBD9CF-9345-4B93-82CE-D35D27B0C528}" type="datetimeFigureOut">
               <a:rPr lang="en-IN" smtClean="0"/>
-              <a:t>26-12-2021</a:t>
+              <a:t>27-12-2021</a:t>
             </a:fld>
             <a:endParaRPr lang="en-IN"/>
           </a:p>
@@ -1149,7 +1171,7 @@
           <a:p>
             <a:fld id="{2AEBD9CF-9345-4B93-82CE-D35D27B0C528}" type="datetimeFigureOut">
               <a:rPr lang="en-IN" smtClean="0"/>
-              <a:t>26-12-2021</a:t>
+              <a:t>27-12-2021</a:t>
             </a:fld>
             <a:endParaRPr lang="en-IN"/>
           </a:p>
@@ -1417,7 +1439,7 @@
           <a:p>
             <a:fld id="{2AEBD9CF-9345-4B93-82CE-D35D27B0C528}" type="datetimeFigureOut">
               <a:rPr lang="en-IN" smtClean="0"/>
-              <a:t>26-12-2021</a:t>
+              <a:t>27-12-2021</a:t>
             </a:fld>
             <a:endParaRPr lang="en-IN"/>
           </a:p>
@@ -1832,7 +1854,7 @@
           <a:p>
             <a:fld id="{2AEBD9CF-9345-4B93-82CE-D35D27B0C528}" type="datetimeFigureOut">
               <a:rPr lang="en-IN" smtClean="0"/>
-              <a:t>26-12-2021</a:t>
+              <a:t>27-12-2021</a:t>
             </a:fld>
             <a:endParaRPr lang="en-IN"/>
           </a:p>
@@ -1974,7 +1996,7 @@
           <a:p>
             <a:fld id="{2AEBD9CF-9345-4B93-82CE-D35D27B0C528}" type="datetimeFigureOut">
               <a:rPr lang="en-IN" smtClean="0"/>
-              <a:t>26-12-2021</a:t>
+              <a:t>27-12-2021</a:t>
             </a:fld>
             <a:endParaRPr lang="en-IN"/>
           </a:p>
@@ -2087,7 +2109,7 @@
           <a:p>
             <a:fld id="{2AEBD9CF-9345-4B93-82CE-D35D27B0C528}" type="datetimeFigureOut">
               <a:rPr lang="en-IN" smtClean="0"/>
-              <a:t>26-12-2021</a:t>
+              <a:t>27-12-2021</a:t>
             </a:fld>
             <a:endParaRPr lang="en-IN"/>
           </a:p>
@@ -2400,7 +2422,7 @@
           <a:p>
             <a:fld id="{2AEBD9CF-9345-4B93-82CE-D35D27B0C528}" type="datetimeFigureOut">
               <a:rPr lang="en-IN" smtClean="0"/>
-              <a:t>26-12-2021</a:t>
+              <a:t>27-12-2021</a:t>
             </a:fld>
             <a:endParaRPr lang="en-IN"/>
           </a:p>
@@ -2689,7 +2711,7 @@
           <a:p>
             <a:fld id="{2AEBD9CF-9345-4B93-82CE-D35D27B0C528}" type="datetimeFigureOut">
               <a:rPr lang="en-IN" smtClean="0"/>
-              <a:t>26-12-2021</a:t>
+              <a:t>27-12-2021</a:t>
             </a:fld>
             <a:endParaRPr lang="en-IN"/>
           </a:p>
@@ -2932,7 +2954,7 @@
           <a:p>
             <a:fld id="{2AEBD9CF-9345-4B93-82CE-D35D27B0C528}" type="datetimeFigureOut">
               <a:rPr lang="en-IN" smtClean="0"/>
-              <a:t>26-12-2021</a:t>
+              <a:t>27-12-2021</a:t>
             </a:fld>
             <a:endParaRPr lang="en-IN"/>
           </a:p>
@@ -3450,6 +3472,610 @@
 </p:sld>
 </file>
 
+<file path=ppt/slides/slide10.xml><?xml version="1.0" encoding="utf-8"?>
+<p:sld xmlns:a="http://schemas.openxmlformats.org/drawingml/2006/main" xmlns:r="http://schemas.openxmlformats.org/officeDocument/2006/relationships" xmlns:p="http://schemas.openxmlformats.org/presentationml/2006/main">
+  <p:cSld>
+    <p:spTree>
+      <p:nvGrpSpPr>
+        <p:cNvPr id="1" name=""/>
+        <p:cNvGrpSpPr/>
+        <p:nvPr/>
+      </p:nvGrpSpPr>
+      <p:grpSpPr>
+        <a:xfrm>
+          <a:off x="0" y="0"/>
+          <a:ext cx="0" cy="0"/>
+          <a:chOff x="0" y="0"/>
+          <a:chExt cx="0" cy="0"/>
+        </a:xfrm>
+      </p:grpSpPr>
+      <p:pic>
+        <p:nvPicPr>
+          <p:cNvPr id="5" name="Picture 4">
+            <a:extLst>
+              <a:ext uri="{FF2B5EF4-FFF2-40B4-BE49-F238E27FC236}">
+                <a16:creationId xmlns:a16="http://schemas.microsoft.com/office/drawing/2014/main" id="{4D133056-1875-4DB5-A320-90E3BF525C0D}"/>
+              </a:ext>
+            </a:extLst>
+          </p:cNvPr>
+          <p:cNvPicPr>
+            <a:picLocks noChangeAspect="1"/>
+          </p:cNvPicPr>
+          <p:nvPr/>
+        </p:nvPicPr>
+        <p:blipFill>
+          <a:blip r:embed="rId2"/>
+          <a:stretch>
+            <a:fillRect/>
+          </a:stretch>
+        </p:blipFill>
+        <p:spPr>
+          <a:xfrm>
+            <a:off x="2252999" y="374002"/>
+            <a:ext cx="7382905" cy="5334744"/>
+          </a:xfrm>
+          <a:prstGeom prst="rect">
+            <a:avLst/>
+          </a:prstGeom>
+        </p:spPr>
+      </p:pic>
+      <p:sp>
+        <p:nvSpPr>
+          <p:cNvPr id="2" name="TextBox 1">
+            <a:extLst>
+              <a:ext uri="{FF2B5EF4-FFF2-40B4-BE49-F238E27FC236}">
+                <a16:creationId xmlns:a16="http://schemas.microsoft.com/office/drawing/2014/main" id="{BE1CCCAD-F080-4908-9416-6FAD6CA3C595}"/>
+              </a:ext>
+            </a:extLst>
+          </p:cNvPr>
+          <p:cNvSpPr txBox="1"/>
+          <p:nvPr/>
+        </p:nvSpPr>
+        <p:spPr>
+          <a:xfrm>
+            <a:off x="4403886" y="5934670"/>
+            <a:ext cx="3081130" cy="923330"/>
+          </a:xfrm>
+          <a:prstGeom prst="rect">
+            <a:avLst/>
+          </a:prstGeom>
+          <a:noFill/>
+        </p:spPr>
+        <p:txBody>
+          <a:bodyPr wrap="square" rtlCol="0">
+            <a:spAutoFit/>
+          </a:bodyPr>
+          <a:lstStyle/>
+          <a:p>
+            <a:r>
+              <a:rPr lang="en-US" dirty="0" err="1"/>
+              <a:t>BookGenre</a:t>
+            </a:r>
+            <a:r>
+              <a:rPr lang="en-US" dirty="0"/>
+              <a:t>= X  cross join Y</a:t>
+            </a:r>
+            <a:endParaRPr lang="en-IN" dirty="0"/>
+          </a:p>
+          <a:p>
+            <a:r>
+              <a:rPr lang="en-IN" dirty="0"/>
+              <a:t>                    = R(z)</a:t>
+            </a:r>
+          </a:p>
+          <a:p>
+            <a:r>
+              <a:rPr lang="en-IN" dirty="0"/>
+              <a:t>Where Z= X+Y</a:t>
+            </a:r>
+            <a:endParaRPr lang="en-US" dirty="0"/>
+          </a:p>
+        </p:txBody>
+      </p:sp>
+    </p:spTree>
+    <p:extLst>
+      <p:ext uri="{BB962C8B-B14F-4D97-AF65-F5344CB8AC3E}">
+        <p14:creationId xmlns:p14="http://schemas.microsoft.com/office/powerpoint/2010/main" val="2811020615"/>
+      </p:ext>
+    </p:extLst>
+  </p:cSld>
+  <p:clrMapOvr>
+    <a:masterClrMapping/>
+  </p:clrMapOvr>
+</p:sld>
+</file>
+
+<file path=ppt/slides/slide11.xml><?xml version="1.0" encoding="utf-8"?>
+<p:sld xmlns:a="http://schemas.openxmlformats.org/drawingml/2006/main" xmlns:r="http://schemas.openxmlformats.org/officeDocument/2006/relationships" xmlns:p="http://schemas.openxmlformats.org/presentationml/2006/main">
+  <p:cSld>
+    <p:spTree>
+      <p:nvGrpSpPr>
+        <p:cNvPr id="1" name=""/>
+        <p:cNvGrpSpPr/>
+        <p:nvPr/>
+      </p:nvGrpSpPr>
+      <p:grpSpPr>
+        <a:xfrm>
+          <a:off x="0" y="0"/>
+          <a:ext cx="0" cy="0"/>
+          <a:chOff x="0" y="0"/>
+          <a:chExt cx="0" cy="0"/>
+        </a:xfrm>
+      </p:grpSpPr>
+      <p:pic>
+        <p:nvPicPr>
+          <p:cNvPr id="7" name="Content Placeholder 6">
+            <a:extLst>
+              <a:ext uri="{FF2B5EF4-FFF2-40B4-BE49-F238E27FC236}">
+                <a16:creationId xmlns:a16="http://schemas.microsoft.com/office/drawing/2014/main" id="{B26E762D-A095-4088-AA6D-C098FABDE43E}"/>
+              </a:ext>
+            </a:extLst>
+          </p:cNvPr>
+          <p:cNvPicPr>
+            <a:picLocks noGrp="1" noChangeAspect="1"/>
+          </p:cNvPicPr>
+          <p:nvPr>
+            <p:ph idx="1"/>
+          </p:nvPr>
+        </p:nvPicPr>
+        <p:blipFill>
+          <a:blip r:embed="rId2"/>
+          <a:stretch>
+            <a:fillRect/>
+          </a:stretch>
+        </p:blipFill>
+        <p:spPr>
+          <a:xfrm>
+            <a:off x="1098360" y="3993890"/>
+            <a:ext cx="9297698" cy="2791215"/>
+          </a:xfrm>
+        </p:spPr>
+      </p:pic>
+      <p:pic>
+        <p:nvPicPr>
+          <p:cNvPr id="5" name="Picture 4">
+            <a:extLst>
+              <a:ext uri="{FF2B5EF4-FFF2-40B4-BE49-F238E27FC236}">
+                <a16:creationId xmlns:a16="http://schemas.microsoft.com/office/drawing/2014/main" id="{FC128FA7-EB34-4D24-BE80-7B3345E3CD53}"/>
+              </a:ext>
+            </a:extLst>
+          </p:cNvPr>
+          <p:cNvPicPr>
+            <a:picLocks noChangeAspect="1"/>
+          </p:cNvPicPr>
+          <p:nvPr/>
+        </p:nvPicPr>
+        <p:blipFill>
+          <a:blip r:embed="rId3"/>
+          <a:stretch>
+            <a:fillRect/>
+          </a:stretch>
+        </p:blipFill>
+        <p:spPr>
+          <a:xfrm>
+            <a:off x="894624" y="72895"/>
+            <a:ext cx="10402752" cy="3858163"/>
+          </a:xfrm>
+          <a:prstGeom prst="rect">
+            <a:avLst/>
+          </a:prstGeom>
+        </p:spPr>
+      </p:pic>
+      <p:sp>
+        <p:nvSpPr>
+          <p:cNvPr id="2" name="TextBox 1">
+            <a:extLst>
+              <a:ext uri="{FF2B5EF4-FFF2-40B4-BE49-F238E27FC236}">
+                <a16:creationId xmlns:a16="http://schemas.microsoft.com/office/drawing/2014/main" id="{A34F0A5F-EBE9-4A6F-A43C-D7A70DE6E116}"/>
+              </a:ext>
+            </a:extLst>
+          </p:cNvPr>
+          <p:cNvSpPr txBox="1"/>
+          <p:nvPr/>
+        </p:nvSpPr>
+        <p:spPr>
+          <a:xfrm>
+            <a:off x="10396058" y="4403035"/>
+            <a:ext cx="1600472" cy="646331"/>
+          </a:xfrm>
+          <a:prstGeom prst="rect">
+            <a:avLst/>
+          </a:prstGeom>
+          <a:noFill/>
+        </p:spPr>
+        <p:txBody>
+          <a:bodyPr wrap="square" rtlCol="0">
+            <a:spAutoFit/>
+          </a:bodyPr>
+          <a:lstStyle/>
+          <a:p>
+            <a:r>
+              <a:rPr lang="en-US" dirty="0" err="1"/>
+              <a:t>BookGenre-Novel_Genre</a:t>
+            </a:r>
+            <a:endParaRPr lang="en-IN" dirty="0"/>
+          </a:p>
+        </p:txBody>
+      </p:sp>
+    </p:spTree>
+    <p:extLst>
+      <p:ext uri="{BB962C8B-B14F-4D97-AF65-F5344CB8AC3E}">
+        <p14:creationId xmlns:p14="http://schemas.microsoft.com/office/powerpoint/2010/main" val="1595311252"/>
+      </p:ext>
+    </p:extLst>
+  </p:cSld>
+  <p:clrMapOvr>
+    <a:masterClrMapping/>
+  </p:clrMapOvr>
+</p:sld>
+</file>
+
+<file path=ppt/slides/slide12.xml><?xml version="1.0" encoding="utf-8"?>
+<p:sld xmlns:a="http://schemas.openxmlformats.org/drawingml/2006/main" xmlns:r="http://schemas.openxmlformats.org/officeDocument/2006/relationships" xmlns:p="http://schemas.openxmlformats.org/presentationml/2006/main">
+  <p:cSld>
+    <p:spTree>
+      <p:nvGrpSpPr>
+        <p:cNvPr id="1" name=""/>
+        <p:cNvGrpSpPr/>
+        <p:nvPr/>
+      </p:nvGrpSpPr>
+      <p:grpSpPr>
+        <a:xfrm>
+          <a:off x="0" y="0"/>
+          <a:ext cx="0" cy="0"/>
+          <a:chOff x="0" y="0"/>
+          <a:chExt cx="0" cy="0"/>
+        </a:xfrm>
+      </p:grpSpPr>
+      <p:pic>
+        <p:nvPicPr>
+          <p:cNvPr id="5" name="Picture 4">
+            <a:extLst>
+              <a:ext uri="{FF2B5EF4-FFF2-40B4-BE49-F238E27FC236}">
+                <a16:creationId xmlns:a16="http://schemas.microsoft.com/office/drawing/2014/main" id="{3FBE24D9-31E5-469B-AB31-E5A13D73B272}"/>
+              </a:ext>
+            </a:extLst>
+          </p:cNvPr>
+          <p:cNvPicPr>
+            <a:picLocks noChangeAspect="1"/>
+          </p:cNvPicPr>
+          <p:nvPr/>
+        </p:nvPicPr>
+        <p:blipFill>
+          <a:blip r:embed="rId2"/>
+          <a:stretch>
+            <a:fillRect/>
+          </a:stretch>
+        </p:blipFill>
+        <p:spPr>
+          <a:xfrm>
+            <a:off x="480229" y="2090550"/>
+            <a:ext cx="11231542" cy="2676899"/>
+          </a:xfrm>
+          <a:prstGeom prst="rect">
+            <a:avLst/>
+          </a:prstGeom>
+        </p:spPr>
+      </p:pic>
+    </p:spTree>
+    <p:extLst>
+      <p:ext uri="{BB962C8B-B14F-4D97-AF65-F5344CB8AC3E}">
+        <p14:creationId xmlns:p14="http://schemas.microsoft.com/office/powerpoint/2010/main" val="3468438182"/>
+      </p:ext>
+    </p:extLst>
+  </p:cSld>
+  <p:clrMapOvr>
+    <a:masterClrMapping/>
+  </p:clrMapOvr>
+</p:sld>
+</file>
+
+<file path=ppt/slides/slide13.xml><?xml version="1.0" encoding="utf-8"?>
+<p:sld xmlns:a="http://schemas.openxmlformats.org/drawingml/2006/main" xmlns:r="http://schemas.openxmlformats.org/officeDocument/2006/relationships" xmlns:p="http://schemas.openxmlformats.org/presentationml/2006/main">
+  <p:cSld>
+    <p:spTree>
+      <p:nvGrpSpPr>
+        <p:cNvPr id="1" name=""/>
+        <p:cNvGrpSpPr/>
+        <p:nvPr/>
+      </p:nvGrpSpPr>
+      <p:grpSpPr>
+        <a:xfrm>
+          <a:off x="0" y="0"/>
+          <a:ext cx="0" cy="0"/>
+          <a:chOff x="0" y="0"/>
+          <a:chExt cx="0" cy="0"/>
+        </a:xfrm>
+      </p:grpSpPr>
+      <p:pic>
+        <p:nvPicPr>
+          <p:cNvPr id="5" name="Picture 4">
+            <a:extLst>
+              <a:ext uri="{FF2B5EF4-FFF2-40B4-BE49-F238E27FC236}">
+                <a16:creationId xmlns:a16="http://schemas.microsoft.com/office/drawing/2014/main" id="{FEF4FB24-D199-46EC-98FB-DE76D0C0553B}"/>
+              </a:ext>
+            </a:extLst>
+          </p:cNvPr>
+          <p:cNvPicPr>
+            <a:picLocks noChangeAspect="1"/>
+          </p:cNvPicPr>
+          <p:nvPr/>
+        </p:nvPicPr>
+        <p:blipFill>
+          <a:blip r:embed="rId2"/>
+          <a:stretch>
+            <a:fillRect/>
+          </a:stretch>
+        </p:blipFill>
+        <p:spPr>
+          <a:xfrm>
+            <a:off x="2925112" y="190617"/>
+            <a:ext cx="7491097" cy="6476765"/>
+          </a:xfrm>
+          <a:prstGeom prst="rect">
+            <a:avLst/>
+          </a:prstGeom>
+        </p:spPr>
+      </p:pic>
+      <p:sp>
+        <p:nvSpPr>
+          <p:cNvPr id="7" name="TextBox 6">
+            <a:extLst>
+              <a:ext uri="{FF2B5EF4-FFF2-40B4-BE49-F238E27FC236}">
+                <a16:creationId xmlns:a16="http://schemas.microsoft.com/office/drawing/2014/main" id="{8CEB17F2-BAD2-4513-9594-18F5577C7746}"/>
+              </a:ext>
+            </a:extLst>
+          </p:cNvPr>
+          <p:cNvSpPr txBox="1"/>
+          <p:nvPr/>
+        </p:nvSpPr>
+        <p:spPr>
+          <a:xfrm>
+            <a:off x="156541" y="1610213"/>
+            <a:ext cx="2199033" cy="3693319"/>
+          </a:xfrm>
+          <a:prstGeom prst="rect">
+            <a:avLst/>
+          </a:prstGeom>
+          <a:noFill/>
+        </p:spPr>
+        <p:txBody>
+          <a:bodyPr wrap="square">
+            <a:spAutoFit/>
+          </a:bodyPr>
+          <a:lstStyle/>
+          <a:p>
+            <a:pPr marL="0" marR="0" rtl="0">
+              <a:spcBef>
+                <a:spcPts val="0"/>
+              </a:spcBef>
+              <a:spcAft>
+                <a:spcPts val="0"/>
+              </a:spcAft>
+            </a:pPr>
+            <a:r>
+              <a:rPr lang="en-US" sz="1800" dirty="0">
+                <a:effectLst/>
+                <a:latin typeface="Calibri" panose="020F0502020204030204" pitchFamily="34" charset="0"/>
+              </a:rPr>
+              <a:t>To Be Shown on the </a:t>
+            </a:r>
+          </a:p>
+          <a:p>
+            <a:pPr marL="0" marR="0" rtl="0">
+              <a:spcBef>
+                <a:spcPts val="0"/>
+              </a:spcBef>
+              <a:spcAft>
+                <a:spcPts val="0"/>
+              </a:spcAft>
+            </a:pPr>
+            <a:r>
+              <a:rPr lang="en-US" sz="1800" dirty="0">
+                <a:effectLst/>
+                <a:latin typeface="Calibri" panose="020F0502020204030204" pitchFamily="34" charset="0"/>
+              </a:rPr>
+              <a:t>HOME PAGE::--</a:t>
+            </a:r>
+          </a:p>
+          <a:p>
+            <a:pPr marL="0" marR="0" rtl="0">
+              <a:spcBef>
+                <a:spcPts val="0"/>
+              </a:spcBef>
+              <a:spcAft>
+                <a:spcPts val="0"/>
+              </a:spcAft>
+            </a:pPr>
+            <a:endParaRPr lang="en-US" dirty="0">
+              <a:latin typeface="Calibri" panose="020F0502020204030204" pitchFamily="34" charset="0"/>
+            </a:endParaRPr>
+          </a:p>
+          <a:p>
+            <a:pPr marL="0" marR="0" rtl="0">
+              <a:spcBef>
+                <a:spcPts val="0"/>
+              </a:spcBef>
+              <a:spcAft>
+                <a:spcPts val="0"/>
+              </a:spcAft>
+            </a:pPr>
+            <a:r>
+              <a:rPr lang="en-US" sz="1800" dirty="0">
+                <a:effectLst/>
+                <a:latin typeface="Calibri" panose="020F0502020204030204" pitchFamily="34" charset="0"/>
+              </a:rPr>
+              <a:t>Account Page</a:t>
+            </a:r>
+          </a:p>
+          <a:p>
+            <a:pPr marL="0" marR="0" rtl="0">
+              <a:spcBef>
+                <a:spcPts val="0"/>
+              </a:spcBef>
+              <a:spcAft>
+                <a:spcPts val="0"/>
+              </a:spcAft>
+            </a:pPr>
+            <a:r>
+              <a:rPr lang="en-US" sz="1800" dirty="0">
+                <a:effectLst/>
+                <a:latin typeface="Calibri" panose="020F0502020204030204" pitchFamily="34" charset="0"/>
+              </a:rPr>
+              <a:t>Anime</a:t>
+            </a:r>
+          </a:p>
+          <a:p>
+            <a:pPr marL="0" marR="0" rtl="0">
+              <a:spcBef>
+                <a:spcPts val="0"/>
+              </a:spcBef>
+              <a:spcAft>
+                <a:spcPts val="0"/>
+              </a:spcAft>
+            </a:pPr>
+            <a:r>
+              <a:rPr lang="en-US" sz="1800" dirty="0">
+                <a:effectLst/>
+                <a:latin typeface="Calibri" panose="020F0502020204030204" pitchFamily="34" charset="0"/>
+              </a:rPr>
+              <a:t>Manga</a:t>
+            </a:r>
+          </a:p>
+          <a:p>
+            <a:pPr marL="0" marR="0" rtl="0">
+              <a:spcBef>
+                <a:spcPts val="0"/>
+              </a:spcBef>
+              <a:spcAft>
+                <a:spcPts val="0"/>
+              </a:spcAft>
+            </a:pPr>
+            <a:r>
+              <a:rPr lang="en-US" sz="1800" dirty="0">
+                <a:effectLst/>
+                <a:latin typeface="Calibri" panose="020F0502020204030204" pitchFamily="34" charset="0"/>
+              </a:rPr>
+              <a:t>Light novels</a:t>
+            </a:r>
+          </a:p>
+          <a:p>
+            <a:pPr marL="0" marR="0" rtl="0">
+              <a:spcBef>
+                <a:spcPts val="0"/>
+              </a:spcBef>
+              <a:spcAft>
+                <a:spcPts val="0"/>
+              </a:spcAft>
+            </a:pPr>
+            <a:r>
+              <a:rPr lang="en-US" sz="1800" dirty="0">
+                <a:effectLst/>
+                <a:latin typeface="Calibri" panose="020F0502020204030204" pitchFamily="34" charset="0"/>
+              </a:rPr>
+              <a:t>Games</a:t>
+            </a:r>
+          </a:p>
+          <a:p>
+            <a:pPr marL="0" marR="0" rtl="0">
+              <a:spcBef>
+                <a:spcPts val="0"/>
+              </a:spcBef>
+              <a:spcAft>
+                <a:spcPts val="0"/>
+              </a:spcAft>
+            </a:pPr>
+            <a:r>
+              <a:rPr lang="en-US" sz="1800" dirty="0">
+                <a:effectLst/>
+                <a:latin typeface="Calibri" panose="020F0502020204030204" pitchFamily="34" charset="0"/>
+              </a:rPr>
+              <a:t>Nerdcore Music</a:t>
+            </a:r>
+          </a:p>
+          <a:p>
+            <a:pPr marL="0" marR="0" rtl="0">
+              <a:spcBef>
+                <a:spcPts val="0"/>
+              </a:spcBef>
+              <a:spcAft>
+                <a:spcPts val="0"/>
+              </a:spcAft>
+            </a:pPr>
+            <a:r>
+              <a:rPr lang="en-US" sz="1800" dirty="0">
+                <a:effectLst/>
+                <a:latin typeface="Calibri" panose="020F0502020204030204" pitchFamily="34" charset="0"/>
+              </a:rPr>
+              <a:t>Wallpapers</a:t>
+            </a:r>
+          </a:p>
+          <a:p>
+            <a:pPr marL="0" marR="0" rtl="0">
+              <a:spcBef>
+                <a:spcPts val="0"/>
+              </a:spcBef>
+              <a:spcAft>
+                <a:spcPts val="0"/>
+              </a:spcAft>
+            </a:pPr>
+            <a:r>
+              <a:rPr lang="en-US" sz="1800" dirty="0">
+                <a:effectLst/>
+                <a:latin typeface="Calibri" panose="020F0502020204030204" pitchFamily="34" charset="0"/>
+              </a:rPr>
+              <a:t>Forums</a:t>
+            </a:r>
+          </a:p>
+          <a:p>
+            <a:pPr marL="0" marR="0" rtl="0">
+              <a:spcBef>
+                <a:spcPts val="0"/>
+              </a:spcBef>
+              <a:spcAft>
+                <a:spcPts val="0"/>
+              </a:spcAft>
+            </a:pPr>
+            <a:r>
+              <a:rPr lang="en-US" sz="1800" dirty="0">
+                <a:effectLst/>
+                <a:latin typeface="Calibri" panose="020F0502020204030204" pitchFamily="34" charset="0"/>
+              </a:rPr>
+              <a:t>Prediction Channels</a:t>
+            </a:r>
+          </a:p>
+          <a:p>
+            <a:pPr marL="0" marR="0" rtl="0">
+              <a:spcBef>
+                <a:spcPts val="0"/>
+              </a:spcBef>
+              <a:spcAft>
+                <a:spcPts val="0"/>
+              </a:spcAft>
+            </a:pPr>
+            <a:r>
+              <a:rPr lang="en-US" sz="1800" dirty="0">
+                <a:effectLst/>
+                <a:latin typeface="Calibri" panose="020F0502020204030204" pitchFamily="34" charset="0"/>
+              </a:rPr>
+              <a:t>Sources to all above</a:t>
+            </a:r>
+          </a:p>
+        </p:txBody>
+      </p:sp>
+    </p:spTree>
+    <p:extLst>
+      <p:ext uri="{BB962C8B-B14F-4D97-AF65-F5344CB8AC3E}">
+        <p14:creationId xmlns:p14="http://schemas.microsoft.com/office/powerpoint/2010/main" val="731714524"/>
+      </p:ext>
+    </p:extLst>
+  </p:cSld>
+  <p:clrMapOvr>
+    <a:masterClrMapping/>
+  </p:clrMapOvr>
+</p:sld>
+</file>
+
 <file path=ppt/slides/slide2.xml><?xml version="1.0" encoding="utf-8"?>
 <p:sld xmlns:a="http://schemas.openxmlformats.org/drawingml/2006/main" xmlns:r="http://schemas.openxmlformats.org/officeDocument/2006/relationships" xmlns:p="http://schemas.openxmlformats.org/presentationml/2006/main">
   <p:cSld>
@@ -3494,10 +4120,10 @@
           <a:lstStyle/>
           <a:p>
             <a:r>
-              <a:rPr lang="en-US" dirty="0"/>
+              <a:rPr lang="en-US" b="1" u="sng" dirty="0"/>
               <a:t>Technology used </a:t>
             </a:r>
-            <a:endParaRPr lang="en-IN" dirty="0"/>
+            <a:endParaRPr lang="en-IN" b="1" u="sng" dirty="0"/>
           </a:p>
         </p:txBody>
       </p:sp>
@@ -3530,7 +4156,7 @@
           <a:lstStyle/>
           <a:p>
             <a:r>
-              <a:rPr lang="en-US" sz="2800" b="1" dirty="0"/>
+              <a:rPr lang="en-US" sz="2800" b="1" u="sng" dirty="0"/>
               <a:t>Front End </a:t>
             </a:r>
             <a:r>
@@ -3540,8 +4166,12 @@
           </a:p>
           <a:p>
             <a:r>
+              <a:rPr lang="en-US" sz="2800" b="1" u="sng" dirty="0"/>
+              <a:t>Back End</a:t>
+            </a:r>
+            <a:r>
               <a:rPr lang="en-US" sz="2800" b="1" dirty="0"/>
-              <a:t>Back End </a:t>
+              <a:t> </a:t>
             </a:r>
             <a:r>
               <a:rPr lang="en-US" sz="2800" dirty="0"/>
@@ -3550,22 +4180,17 @@
           </a:p>
           <a:p>
             <a:r>
-              <a:rPr lang="en-US" sz="2800" b="1" dirty="0"/>
+              <a:rPr lang="en-US" sz="2800" b="1" u="sng" dirty="0"/>
               <a:t>DB</a:t>
             </a:r>
             <a:r>
               <a:rPr lang="en-US" sz="2800" dirty="0"/>
-              <a:t> -  </a:t>
-            </a:r>
-            <a:r>
-              <a:rPr lang="en-US" sz="2800" dirty="0" err="1"/>
-              <a:t>MySql</a:t>
-            </a:r>
-            <a:endParaRPr lang="en-US" sz="2800" dirty="0"/>
-          </a:p>
-          <a:p>
-            <a:r>
-              <a:rPr lang="en-IN" sz="2800" b="1" dirty="0"/>
+              <a:t> -  MySQL</a:t>
+            </a:r>
+          </a:p>
+          <a:p>
+            <a:r>
+              <a:rPr lang="en-IN" sz="2800" b="1" u="sng" dirty="0"/>
               <a:t>IDE Platform </a:t>
             </a:r>
             <a:r>
@@ -3632,10 +4257,10 @@
           <a:lstStyle/>
           <a:p>
             <a:r>
-              <a:rPr lang="en-US" dirty="0"/>
-              <a:t>ER diag.</a:t>
-            </a:r>
-            <a:endParaRPr lang="en-IN" dirty="0"/>
+              <a:rPr lang="en-US" b="1" u="sng" dirty="0"/>
+              <a:t>ER Diagram</a:t>
+            </a:r>
+            <a:endParaRPr lang="en-IN" b="1" u="sng" dirty="0"/>
           </a:p>
         </p:txBody>
       </p:sp>
@@ -3671,6 +4296,366 @@
           </a:prstGeom>
         </p:spPr>
       </p:pic>
+      <p:sp>
+        <p:nvSpPr>
+          <p:cNvPr id="5" name="TextBox 4">
+            <a:extLst>
+              <a:ext uri="{FF2B5EF4-FFF2-40B4-BE49-F238E27FC236}">
+                <a16:creationId xmlns:a16="http://schemas.microsoft.com/office/drawing/2014/main" id="{1F286132-75B2-448F-A28C-9FAAAEF1BF27}"/>
+              </a:ext>
+            </a:extLst>
+          </p:cNvPr>
+          <p:cNvSpPr txBox="1"/>
+          <p:nvPr/>
+        </p:nvSpPr>
+        <p:spPr>
+          <a:xfrm>
+            <a:off x="5377069" y="1987826"/>
+            <a:ext cx="288235" cy="276999"/>
+          </a:xfrm>
+          <a:prstGeom prst="rect">
+            <a:avLst/>
+          </a:prstGeom>
+          <a:noFill/>
+        </p:spPr>
+        <p:txBody>
+          <a:bodyPr wrap="square" rtlCol="0">
+            <a:spAutoFit/>
+          </a:bodyPr>
+          <a:lstStyle/>
+          <a:p>
+            <a:r>
+              <a:rPr lang="en-US" sz="1200" dirty="0"/>
+              <a:t>m</a:t>
+            </a:r>
+            <a:endParaRPr lang="en-IN" sz="1200" dirty="0"/>
+          </a:p>
+        </p:txBody>
+      </p:sp>
+      <p:sp>
+        <p:nvSpPr>
+          <p:cNvPr id="6" name="TextBox 5">
+            <a:extLst>
+              <a:ext uri="{FF2B5EF4-FFF2-40B4-BE49-F238E27FC236}">
+                <a16:creationId xmlns:a16="http://schemas.microsoft.com/office/drawing/2014/main" id="{62B12379-04F0-4A95-AF95-5D35B6F4F875}"/>
+              </a:ext>
+            </a:extLst>
+          </p:cNvPr>
+          <p:cNvSpPr txBox="1"/>
+          <p:nvPr/>
+        </p:nvSpPr>
+        <p:spPr>
+          <a:xfrm>
+            <a:off x="4114800" y="3447937"/>
+            <a:ext cx="198782" cy="276999"/>
+          </a:xfrm>
+          <a:prstGeom prst="rect">
+            <a:avLst/>
+          </a:prstGeom>
+          <a:noFill/>
+        </p:spPr>
+        <p:txBody>
+          <a:bodyPr wrap="square" rtlCol="0">
+            <a:spAutoFit/>
+          </a:bodyPr>
+          <a:lstStyle/>
+          <a:p>
+            <a:r>
+              <a:rPr lang="en-US" sz="1200" dirty="0"/>
+              <a:t>n</a:t>
+            </a:r>
+            <a:endParaRPr lang="en-IN" sz="1200" dirty="0"/>
+          </a:p>
+        </p:txBody>
+      </p:sp>
+      <p:sp>
+        <p:nvSpPr>
+          <p:cNvPr id="7" name="TextBox 6">
+            <a:extLst>
+              <a:ext uri="{FF2B5EF4-FFF2-40B4-BE49-F238E27FC236}">
+                <a16:creationId xmlns:a16="http://schemas.microsoft.com/office/drawing/2014/main" id="{31968498-14C3-42B5-ACE5-A874BD36EF00}"/>
+              </a:ext>
+            </a:extLst>
+          </p:cNvPr>
+          <p:cNvSpPr txBox="1"/>
+          <p:nvPr/>
+        </p:nvSpPr>
+        <p:spPr>
+          <a:xfrm>
+            <a:off x="6467063" y="1987826"/>
+            <a:ext cx="288235" cy="276999"/>
+          </a:xfrm>
+          <a:prstGeom prst="rect">
+            <a:avLst/>
+          </a:prstGeom>
+          <a:noFill/>
+        </p:spPr>
+        <p:txBody>
+          <a:bodyPr wrap="square" rtlCol="0">
+            <a:spAutoFit/>
+          </a:bodyPr>
+          <a:lstStyle/>
+          <a:p>
+            <a:r>
+              <a:rPr lang="en-US" sz="1200" dirty="0"/>
+              <a:t>m</a:t>
+            </a:r>
+            <a:endParaRPr lang="en-IN" sz="1200" dirty="0"/>
+          </a:p>
+        </p:txBody>
+      </p:sp>
+      <p:sp>
+        <p:nvSpPr>
+          <p:cNvPr id="9" name="TextBox 8">
+            <a:extLst>
+              <a:ext uri="{FF2B5EF4-FFF2-40B4-BE49-F238E27FC236}">
+                <a16:creationId xmlns:a16="http://schemas.microsoft.com/office/drawing/2014/main" id="{FF7FC0DA-7C66-43A8-A8D7-359C694E4EFF}"/>
+              </a:ext>
+            </a:extLst>
+          </p:cNvPr>
+          <p:cNvSpPr txBox="1"/>
+          <p:nvPr/>
+        </p:nvSpPr>
+        <p:spPr>
+          <a:xfrm>
+            <a:off x="8431695" y="2526911"/>
+            <a:ext cx="198782" cy="276999"/>
+          </a:xfrm>
+          <a:prstGeom prst="rect">
+            <a:avLst/>
+          </a:prstGeom>
+          <a:noFill/>
+        </p:spPr>
+        <p:txBody>
+          <a:bodyPr wrap="square" rtlCol="0">
+            <a:spAutoFit/>
+          </a:bodyPr>
+          <a:lstStyle/>
+          <a:p>
+            <a:r>
+              <a:rPr lang="en-US" sz="1200" dirty="0"/>
+              <a:t>n</a:t>
+            </a:r>
+            <a:endParaRPr lang="en-IN" sz="1200" dirty="0"/>
+          </a:p>
+        </p:txBody>
+      </p:sp>
+      <p:sp>
+        <p:nvSpPr>
+          <p:cNvPr id="10" name="TextBox 9">
+            <a:extLst>
+              <a:ext uri="{FF2B5EF4-FFF2-40B4-BE49-F238E27FC236}">
+                <a16:creationId xmlns:a16="http://schemas.microsoft.com/office/drawing/2014/main" id="{CB956D00-6814-4D2E-98C6-0D0E4AD60236}"/>
+              </a:ext>
+            </a:extLst>
+          </p:cNvPr>
+          <p:cNvSpPr txBox="1"/>
+          <p:nvPr/>
+        </p:nvSpPr>
+        <p:spPr>
+          <a:xfrm>
+            <a:off x="9216887" y="3863435"/>
+            <a:ext cx="198782" cy="276999"/>
+          </a:xfrm>
+          <a:prstGeom prst="rect">
+            <a:avLst/>
+          </a:prstGeom>
+          <a:noFill/>
+        </p:spPr>
+        <p:txBody>
+          <a:bodyPr wrap="square" rtlCol="0">
+            <a:spAutoFit/>
+          </a:bodyPr>
+          <a:lstStyle/>
+          <a:p>
+            <a:r>
+              <a:rPr lang="en-US" sz="1200" dirty="0"/>
+              <a:t>n</a:t>
+            </a:r>
+            <a:endParaRPr lang="en-IN" sz="1200" dirty="0"/>
+          </a:p>
+        </p:txBody>
+      </p:sp>
+      <p:sp>
+        <p:nvSpPr>
+          <p:cNvPr id="11" name="TextBox 10">
+            <a:extLst>
+              <a:ext uri="{FF2B5EF4-FFF2-40B4-BE49-F238E27FC236}">
+                <a16:creationId xmlns:a16="http://schemas.microsoft.com/office/drawing/2014/main" id="{BF66AB25-FD6F-4DCC-9C17-D0EF9B6F9F46}"/>
+              </a:ext>
+            </a:extLst>
+          </p:cNvPr>
+          <p:cNvSpPr txBox="1"/>
+          <p:nvPr/>
+        </p:nvSpPr>
+        <p:spPr>
+          <a:xfrm>
+            <a:off x="4893365" y="5121024"/>
+            <a:ext cx="198782" cy="276999"/>
+          </a:xfrm>
+          <a:prstGeom prst="rect">
+            <a:avLst/>
+          </a:prstGeom>
+          <a:noFill/>
+        </p:spPr>
+        <p:txBody>
+          <a:bodyPr wrap="square" rtlCol="0">
+            <a:spAutoFit/>
+          </a:bodyPr>
+          <a:lstStyle/>
+          <a:p>
+            <a:r>
+              <a:rPr lang="en-US" sz="1200" dirty="0"/>
+              <a:t>n</a:t>
+            </a:r>
+            <a:endParaRPr lang="en-IN" sz="1200" dirty="0"/>
+          </a:p>
+        </p:txBody>
+      </p:sp>
+      <p:sp>
+        <p:nvSpPr>
+          <p:cNvPr id="12" name="TextBox 11">
+            <a:extLst>
+              <a:ext uri="{FF2B5EF4-FFF2-40B4-BE49-F238E27FC236}">
+                <a16:creationId xmlns:a16="http://schemas.microsoft.com/office/drawing/2014/main" id="{E7C5BC62-89D9-473C-9851-1F89B0E26788}"/>
+              </a:ext>
+            </a:extLst>
+          </p:cNvPr>
+          <p:cNvSpPr txBox="1"/>
+          <p:nvPr/>
+        </p:nvSpPr>
+        <p:spPr>
+          <a:xfrm>
+            <a:off x="8955157" y="2803910"/>
+            <a:ext cx="198782" cy="261610"/>
+          </a:xfrm>
+          <a:prstGeom prst="rect">
+            <a:avLst/>
+          </a:prstGeom>
+          <a:noFill/>
+        </p:spPr>
+        <p:txBody>
+          <a:bodyPr wrap="square" rtlCol="0">
+            <a:spAutoFit/>
+          </a:bodyPr>
+          <a:lstStyle/>
+          <a:p>
+            <a:r>
+              <a:rPr lang="en-US" sz="1100" dirty="0"/>
+              <a:t>1</a:t>
+            </a:r>
+            <a:endParaRPr lang="en-IN" sz="1100" dirty="0"/>
+          </a:p>
+        </p:txBody>
+      </p:sp>
+      <p:sp>
+        <p:nvSpPr>
+          <p:cNvPr id="13" name="TextBox 12">
+            <a:extLst>
+              <a:ext uri="{FF2B5EF4-FFF2-40B4-BE49-F238E27FC236}">
+                <a16:creationId xmlns:a16="http://schemas.microsoft.com/office/drawing/2014/main" id="{76239B91-2888-4DE0-A22E-3BD8636B29D0}"/>
+              </a:ext>
+            </a:extLst>
+          </p:cNvPr>
+          <p:cNvSpPr txBox="1"/>
+          <p:nvPr/>
+        </p:nvSpPr>
+        <p:spPr>
+          <a:xfrm>
+            <a:off x="7258879" y="5398023"/>
+            <a:ext cx="198782" cy="261610"/>
+          </a:xfrm>
+          <a:prstGeom prst="rect">
+            <a:avLst/>
+          </a:prstGeom>
+          <a:noFill/>
+        </p:spPr>
+        <p:txBody>
+          <a:bodyPr wrap="square" rtlCol="0">
+            <a:spAutoFit/>
+          </a:bodyPr>
+          <a:lstStyle/>
+          <a:p>
+            <a:r>
+              <a:rPr lang="en-US" sz="1100" dirty="0"/>
+              <a:t>1</a:t>
+            </a:r>
+            <a:endParaRPr lang="en-IN" sz="1100" dirty="0"/>
+          </a:p>
+        </p:txBody>
+      </p:sp>
+      <p:sp>
+        <p:nvSpPr>
+          <p:cNvPr id="22" name="TextBox 21">
+            <a:extLst>
+              <a:ext uri="{FF2B5EF4-FFF2-40B4-BE49-F238E27FC236}">
+                <a16:creationId xmlns:a16="http://schemas.microsoft.com/office/drawing/2014/main" id="{AF6379CA-944A-4992-BD08-0582DE69663F}"/>
+              </a:ext>
+            </a:extLst>
+          </p:cNvPr>
+          <p:cNvSpPr txBox="1"/>
+          <p:nvPr/>
+        </p:nvSpPr>
+        <p:spPr>
+          <a:xfrm>
+            <a:off x="8850796" y="3724936"/>
+            <a:ext cx="407504" cy="261610"/>
+          </a:xfrm>
+          <a:prstGeom prst="rect">
+            <a:avLst/>
+          </a:prstGeom>
+          <a:noFill/>
+        </p:spPr>
+        <p:txBody>
+          <a:bodyPr wrap="square" rtlCol="0">
+            <a:spAutoFit/>
+          </a:bodyPr>
+          <a:lstStyle/>
+          <a:p>
+            <a:r>
+              <a:rPr lang="en-US" sz="1100" dirty="0"/>
+              <a:t>TP</a:t>
+            </a:r>
+            <a:endParaRPr lang="en-IN" sz="1100" dirty="0"/>
+          </a:p>
+        </p:txBody>
+      </p:sp>
+      <p:sp>
+        <p:nvSpPr>
+          <p:cNvPr id="23" name="TextBox 22">
+            <a:extLst>
+              <a:ext uri="{FF2B5EF4-FFF2-40B4-BE49-F238E27FC236}">
+                <a16:creationId xmlns:a16="http://schemas.microsoft.com/office/drawing/2014/main" id="{9366310B-1559-4024-9F1B-F69A9546C45E}"/>
+              </a:ext>
+            </a:extLst>
+          </p:cNvPr>
+          <p:cNvSpPr txBox="1"/>
+          <p:nvPr/>
+        </p:nvSpPr>
+        <p:spPr>
+          <a:xfrm>
+            <a:off x="5377069" y="5398023"/>
+            <a:ext cx="407504" cy="261610"/>
+          </a:xfrm>
+          <a:prstGeom prst="rect">
+            <a:avLst/>
+          </a:prstGeom>
+          <a:noFill/>
+        </p:spPr>
+        <p:txBody>
+          <a:bodyPr wrap="square" rtlCol="0">
+            <a:spAutoFit/>
+          </a:bodyPr>
+          <a:lstStyle/>
+          <a:p>
+            <a:r>
+              <a:rPr lang="en-US" sz="1100" dirty="0"/>
+              <a:t>TP</a:t>
+            </a:r>
+            <a:endParaRPr lang="en-IN" sz="1100" dirty="0"/>
+          </a:p>
+        </p:txBody>
+      </p:sp>
     </p:spTree>
     <p:extLst>
       <p:ext uri="{BB962C8B-B14F-4D97-AF65-F5344CB8AC3E}">
@@ -3728,10 +4713,10 @@
           <a:lstStyle/>
           <a:p>
             <a:r>
-              <a:rPr lang="en-US" dirty="0"/>
-              <a:t>Schema diag.</a:t>
-            </a:r>
-            <a:endParaRPr lang="en-IN" dirty="0"/>
+              <a:rPr lang="en-US" b="1" u="sng" dirty="0"/>
+              <a:t>Schema Diagram</a:t>
+            </a:r>
+            <a:endParaRPr lang="en-IN" b="1" u="sng" dirty="0"/>
           </a:p>
         </p:txBody>
       </p:sp>
@@ -3856,6 +4841,42 @@
           </a:prstGeom>
         </p:spPr>
       </p:pic>
+      <p:sp>
+        <p:nvSpPr>
+          <p:cNvPr id="2" name="TextBox 1">
+            <a:extLst>
+              <a:ext uri="{FF2B5EF4-FFF2-40B4-BE49-F238E27FC236}">
+                <a16:creationId xmlns:a16="http://schemas.microsoft.com/office/drawing/2014/main" id="{6EE99BCC-BA68-46B6-AD93-1818A07C1546}"/>
+              </a:ext>
+            </a:extLst>
+          </p:cNvPr>
+          <p:cNvSpPr txBox="1"/>
+          <p:nvPr/>
+        </p:nvSpPr>
+        <p:spPr>
+          <a:xfrm>
+            <a:off x="3114261" y="387627"/>
+            <a:ext cx="6814929" cy="523220"/>
+          </a:xfrm>
+          <a:prstGeom prst="rect">
+            <a:avLst/>
+          </a:prstGeom>
+          <a:noFill/>
+        </p:spPr>
+        <p:txBody>
+          <a:bodyPr wrap="square" rtlCol="0">
+            <a:spAutoFit/>
+          </a:bodyPr>
+          <a:lstStyle/>
+          <a:p>
+            <a:r>
+              <a:rPr lang="en-US" sz="2800" b="1" u="sng" dirty="0"/>
+              <a:t>DDL COMMANDS FOR TABLE CREATION</a:t>
+            </a:r>
+            <a:endParaRPr lang="en-IN" sz="2800" b="1" u="sng" dirty="0"/>
+          </a:p>
+        </p:txBody>
+      </p:sp>
     </p:spTree>
     <p:extLst>
       <p:ext uri="{BB962C8B-B14F-4D97-AF65-F5344CB8AC3E}">
@@ -3910,7 +4931,7 @@
         </p:blipFill>
         <p:spPr>
           <a:xfrm>
-            <a:off x="125809" y="417220"/>
+            <a:off x="95992" y="844602"/>
             <a:ext cx="5406417" cy="5741988"/>
           </a:xfrm>
         </p:spPr>
@@ -3937,7 +4958,7 @@
         </p:blipFill>
         <p:spPr>
           <a:xfrm>
-            <a:off x="5836883" y="1198994"/>
+            <a:off x="5826944" y="2133272"/>
             <a:ext cx="6057900" cy="3838575"/>
           </a:xfrm>
           <a:prstGeom prst="rect">
@@ -3945,6 +4966,42 @@
           </a:prstGeom>
         </p:spPr>
       </p:pic>
+      <p:sp>
+        <p:nvSpPr>
+          <p:cNvPr id="4" name="TextBox 3">
+            <a:extLst>
+              <a:ext uri="{FF2B5EF4-FFF2-40B4-BE49-F238E27FC236}">
+                <a16:creationId xmlns:a16="http://schemas.microsoft.com/office/drawing/2014/main" id="{3E8FFFFB-E431-476C-BBD2-EB3D5DCC4F86}"/>
+              </a:ext>
+            </a:extLst>
+          </p:cNvPr>
+          <p:cNvSpPr txBox="1"/>
+          <p:nvPr/>
+        </p:nvSpPr>
+        <p:spPr>
+          <a:xfrm>
+            <a:off x="3084444" y="271410"/>
+            <a:ext cx="6814929" cy="523220"/>
+          </a:xfrm>
+          <a:prstGeom prst="rect">
+            <a:avLst/>
+          </a:prstGeom>
+          <a:noFill/>
+        </p:spPr>
+        <p:txBody>
+          <a:bodyPr wrap="square" rtlCol="0">
+            <a:spAutoFit/>
+          </a:bodyPr>
+          <a:lstStyle/>
+          <a:p>
+            <a:r>
+              <a:rPr lang="en-US" sz="2800" b="1" u="sng" dirty="0"/>
+              <a:t>DDL COMMANDS FOR TABLE CREATION</a:t>
+            </a:r>
+            <a:endParaRPr lang="en-IN" sz="2800" b="1" u="sng" dirty="0"/>
+          </a:p>
+        </p:txBody>
+      </p:sp>
     </p:spTree>
     <p:extLst>
       <p:ext uri="{BB962C8B-B14F-4D97-AF65-F5344CB8AC3E}">
@@ -3999,7 +5056,7 @@
         </p:blipFill>
         <p:spPr>
           <a:xfrm>
-            <a:off x="53266" y="566212"/>
+            <a:off x="106532" y="1232134"/>
             <a:ext cx="4927107" cy="5114925"/>
           </a:xfrm>
         </p:spPr>
@@ -4026,7 +5083,7 @@
         </p:blipFill>
         <p:spPr>
           <a:xfrm>
-            <a:off x="5098279" y="1132534"/>
+            <a:off x="5098279" y="1907786"/>
             <a:ext cx="6987189" cy="4124325"/>
           </a:xfrm>
           <a:prstGeom prst="rect">
@@ -4034,6 +5091,42 @@
           </a:prstGeom>
         </p:spPr>
       </p:pic>
+      <p:sp>
+        <p:nvSpPr>
+          <p:cNvPr id="4" name="TextBox 3">
+            <a:extLst>
+              <a:ext uri="{FF2B5EF4-FFF2-40B4-BE49-F238E27FC236}">
+                <a16:creationId xmlns:a16="http://schemas.microsoft.com/office/drawing/2014/main" id="{1BF25471-0B68-4216-8FA0-8140552ED1A6}"/>
+              </a:ext>
+            </a:extLst>
+          </p:cNvPr>
+          <p:cNvSpPr txBox="1"/>
+          <p:nvPr/>
+        </p:nvSpPr>
+        <p:spPr>
+          <a:xfrm>
+            <a:off x="3114261" y="387627"/>
+            <a:ext cx="6814929" cy="523220"/>
+          </a:xfrm>
+          <a:prstGeom prst="rect">
+            <a:avLst/>
+          </a:prstGeom>
+          <a:noFill/>
+        </p:spPr>
+        <p:txBody>
+          <a:bodyPr wrap="square" rtlCol="0">
+            <a:spAutoFit/>
+          </a:bodyPr>
+          <a:lstStyle/>
+          <a:p>
+            <a:r>
+              <a:rPr lang="en-US" sz="2800" b="1" u="sng" dirty="0"/>
+              <a:t>DDL COMMANDS FOR TABLE CREATION</a:t>
+            </a:r>
+            <a:endParaRPr lang="en-IN" sz="2800" b="1" u="sng" dirty="0"/>
+          </a:p>
+        </p:txBody>
+      </p:sp>
     </p:spTree>
     <p:extLst>
       <p:ext uri="{BB962C8B-B14F-4D97-AF65-F5344CB8AC3E}">
@@ -4287,8 +5380,8 @@
         </p:nvSpPr>
         <p:spPr>
           <a:xfrm>
-            <a:off x="5690585" y="870012"/>
-            <a:ext cx="5033639" cy="369332"/>
+            <a:off x="5730342" y="899829"/>
+            <a:ext cx="5033639" cy="523220"/>
           </a:xfrm>
           <a:prstGeom prst="rect">
             <a:avLst/>
@@ -4302,10 +5395,9 @@
           <a:lstStyle/>
           <a:p>
             <a:r>
-              <a:rPr lang="en-IN"/>
+              <a:rPr lang="en-IN" sz="2800" b="1" u="sng" dirty="0"/>
               <a:t>--Insertion in GENRE Table</a:t>
             </a:r>
-            <a:endParaRPr lang="en-IN" dirty="0"/>
           </a:p>
         </p:txBody>
       </p:sp>
@@ -4313,6 +5405,249 @@
     <p:extLst>
       <p:ext uri="{BB962C8B-B14F-4D97-AF65-F5344CB8AC3E}">
         <p14:creationId xmlns:p14="http://schemas.microsoft.com/office/powerpoint/2010/main" val="4060692095"/>
+      </p:ext>
+    </p:extLst>
+  </p:cSld>
+  <p:clrMapOvr>
+    <a:masterClrMapping/>
+  </p:clrMapOvr>
+</p:sld>
+</file>
+
+<file path=ppt/slides/slide9.xml><?xml version="1.0" encoding="utf-8"?>
+<p:sld xmlns:a="http://schemas.openxmlformats.org/drawingml/2006/main" xmlns:r="http://schemas.openxmlformats.org/officeDocument/2006/relationships" xmlns:p="http://schemas.openxmlformats.org/presentationml/2006/main">
+  <p:cSld>
+    <p:spTree>
+      <p:nvGrpSpPr>
+        <p:cNvPr id="1" name=""/>
+        <p:cNvGrpSpPr/>
+        <p:nvPr/>
+      </p:nvGrpSpPr>
+      <p:grpSpPr>
+        <a:xfrm>
+          <a:off x="0" y="0"/>
+          <a:ext cx="0" cy="0"/>
+          <a:chOff x="0" y="0"/>
+          <a:chExt cx="0" cy="0"/>
+        </a:xfrm>
+      </p:grpSpPr>
+      <p:pic>
+        <p:nvPicPr>
+          <p:cNvPr id="5" name="Content Placeholder 4">
+            <a:extLst>
+              <a:ext uri="{FF2B5EF4-FFF2-40B4-BE49-F238E27FC236}">
+                <a16:creationId xmlns:a16="http://schemas.microsoft.com/office/drawing/2014/main" id="{4A3988C0-C90C-4120-9721-0965B40425FA}"/>
+              </a:ext>
+            </a:extLst>
+          </p:cNvPr>
+          <p:cNvPicPr>
+            <a:picLocks noGrp="1" noChangeAspect="1"/>
+          </p:cNvPicPr>
+          <p:nvPr>
+            <p:ph idx="1"/>
+          </p:nvPr>
+        </p:nvPicPr>
+        <p:blipFill>
+          <a:blip r:embed="rId2"/>
+          <a:stretch>
+            <a:fillRect/>
+          </a:stretch>
+        </p:blipFill>
+        <p:spPr>
+          <a:xfrm>
+            <a:off x="66314" y="1847629"/>
+            <a:ext cx="6554115" cy="3162741"/>
+          </a:xfrm>
+        </p:spPr>
+      </p:pic>
+      <p:pic>
+        <p:nvPicPr>
+          <p:cNvPr id="7" name="Picture 6">
+            <a:extLst>
+              <a:ext uri="{FF2B5EF4-FFF2-40B4-BE49-F238E27FC236}">
+                <a16:creationId xmlns:a16="http://schemas.microsoft.com/office/drawing/2014/main" id="{7AF66F89-494E-46B9-8660-64E19FA04E26}"/>
+              </a:ext>
+            </a:extLst>
+          </p:cNvPr>
+          <p:cNvPicPr>
+            <a:picLocks noChangeAspect="1"/>
+          </p:cNvPicPr>
+          <p:nvPr/>
+        </p:nvPicPr>
+        <p:blipFill>
+          <a:blip r:embed="rId3"/>
+          <a:stretch>
+            <a:fillRect/>
+          </a:stretch>
+        </p:blipFill>
+        <p:spPr>
+          <a:xfrm>
+            <a:off x="7270966" y="1433233"/>
+            <a:ext cx="4534533" cy="3991532"/>
+          </a:xfrm>
+          <a:prstGeom prst="rect">
+            <a:avLst/>
+          </a:prstGeom>
+        </p:spPr>
+      </p:pic>
+      <p:sp>
+        <p:nvSpPr>
+          <p:cNvPr id="10" name="Arrow: Right 9">
+            <a:extLst>
+              <a:ext uri="{FF2B5EF4-FFF2-40B4-BE49-F238E27FC236}">
+                <a16:creationId xmlns:a16="http://schemas.microsoft.com/office/drawing/2014/main" id="{AE639008-0B6E-4F48-BAF2-165509FE4066}"/>
+              </a:ext>
+            </a:extLst>
+          </p:cNvPr>
+          <p:cNvSpPr/>
+          <p:nvPr/>
+        </p:nvSpPr>
+        <p:spPr>
+          <a:xfrm>
+            <a:off x="6693031" y="3091992"/>
+            <a:ext cx="480767" cy="337007"/>
+          </a:xfrm>
+          <a:prstGeom prst="rightArrow">
+            <a:avLst/>
+          </a:prstGeom>
+        </p:spPr>
+        <p:style>
+          <a:lnRef idx="2">
+            <a:schemeClr val="accent1">
+              <a:shade val="50000"/>
+            </a:schemeClr>
+          </a:lnRef>
+          <a:fillRef idx="1">
+            <a:schemeClr val="accent1"/>
+          </a:fillRef>
+          <a:effectRef idx="0">
+            <a:schemeClr val="accent1"/>
+          </a:effectRef>
+          <a:fontRef idx="minor">
+            <a:schemeClr val="lt1"/>
+          </a:fontRef>
+        </p:style>
+        <p:txBody>
+          <a:bodyPr rtlCol="0" anchor="ctr"/>
+          <a:lstStyle/>
+          <a:p>
+            <a:pPr algn="ctr"/>
+            <a:endParaRPr lang="en-IN"/>
+          </a:p>
+        </p:txBody>
+      </p:sp>
+      <p:sp>
+        <p:nvSpPr>
+          <p:cNvPr id="11" name="TextBox 10">
+            <a:extLst>
+              <a:ext uri="{FF2B5EF4-FFF2-40B4-BE49-F238E27FC236}">
+                <a16:creationId xmlns:a16="http://schemas.microsoft.com/office/drawing/2014/main" id="{5B69AF24-FB01-47AD-9891-9A364DE550A8}"/>
+              </a:ext>
+            </a:extLst>
+          </p:cNvPr>
+          <p:cNvSpPr txBox="1"/>
+          <p:nvPr/>
+        </p:nvSpPr>
+        <p:spPr>
+          <a:xfrm>
+            <a:off x="695739" y="292231"/>
+            <a:ext cx="10674626" cy="1077218"/>
+          </a:xfrm>
+          <a:prstGeom prst="rect">
+            <a:avLst/>
+          </a:prstGeom>
+          <a:noFill/>
+        </p:spPr>
+        <p:txBody>
+          <a:bodyPr wrap="square" rtlCol="0">
+            <a:spAutoFit/>
+          </a:bodyPr>
+          <a:lstStyle/>
+          <a:p>
+            <a:r>
+              <a:rPr lang="en-US" sz="3200" b="1" u="sng" dirty="0"/>
+              <a:t>DML COMMAND TO ACCESS CONTENTS HAVIN A SPECIFIC SET OF GENRES:: </a:t>
+            </a:r>
+            <a:endParaRPr lang="en-IN" sz="3200" b="1" u="sng" dirty="0"/>
+          </a:p>
+        </p:txBody>
+      </p:sp>
+      <p:sp>
+        <p:nvSpPr>
+          <p:cNvPr id="3" name="TextBox 2">
+            <a:extLst>
+              <a:ext uri="{FF2B5EF4-FFF2-40B4-BE49-F238E27FC236}">
+                <a16:creationId xmlns:a16="http://schemas.microsoft.com/office/drawing/2014/main" id="{08C7A92E-91AA-477A-A4B9-C44486C5D4B9}"/>
+              </a:ext>
+            </a:extLst>
+          </p:cNvPr>
+          <p:cNvSpPr txBox="1"/>
+          <p:nvPr/>
+        </p:nvSpPr>
+        <p:spPr>
+          <a:xfrm>
+            <a:off x="8100391" y="5885549"/>
+            <a:ext cx="3041374" cy="369332"/>
+          </a:xfrm>
+          <a:prstGeom prst="rect">
+            <a:avLst/>
+          </a:prstGeom>
+          <a:noFill/>
+        </p:spPr>
+        <p:txBody>
+          <a:bodyPr wrap="square" rtlCol="0">
+            <a:spAutoFit/>
+          </a:bodyPr>
+          <a:lstStyle/>
+          <a:p>
+            <a:r>
+              <a:rPr lang="en-US" dirty="0"/>
+              <a:t>Attribute X</a:t>
+            </a:r>
+            <a:endParaRPr lang="en-IN" dirty="0"/>
+          </a:p>
+        </p:txBody>
+      </p:sp>
+      <p:sp>
+        <p:nvSpPr>
+          <p:cNvPr id="4" name="TextBox 3">
+            <a:extLst>
+              <a:ext uri="{FF2B5EF4-FFF2-40B4-BE49-F238E27FC236}">
+                <a16:creationId xmlns:a16="http://schemas.microsoft.com/office/drawing/2014/main" id="{2BC848BC-F7CA-4C13-B8DD-1D09566F3C4B}"/>
+              </a:ext>
+            </a:extLst>
+          </p:cNvPr>
+          <p:cNvSpPr txBox="1"/>
+          <p:nvPr/>
+        </p:nvSpPr>
+        <p:spPr>
+          <a:xfrm>
+            <a:off x="695739" y="5700883"/>
+            <a:ext cx="3120887" cy="369332"/>
+          </a:xfrm>
+          <a:prstGeom prst="rect">
+            <a:avLst/>
+          </a:prstGeom>
+          <a:noFill/>
+        </p:spPr>
+        <p:txBody>
+          <a:bodyPr wrap="square" rtlCol="0">
+            <a:spAutoFit/>
+          </a:bodyPr>
+          <a:lstStyle/>
+          <a:p>
+            <a:r>
+              <a:rPr lang="en-US" dirty="0"/>
+              <a:t>Attribute Y</a:t>
+            </a:r>
+            <a:endParaRPr lang="en-IN" dirty="0"/>
+          </a:p>
+        </p:txBody>
+      </p:sp>
+    </p:spTree>
+    <p:extLst>
+      <p:ext uri="{BB962C8B-B14F-4D97-AF65-F5344CB8AC3E}">
+        <p14:creationId xmlns:p14="http://schemas.microsoft.com/office/powerpoint/2010/main" val="2009879429"/>
       </p:ext>
     </p:extLst>
   </p:cSld>
